--- a/reseau/schema/reseau.pptx
+++ b/reseau/schema/reseau.pptx
@@ -109,6 +109,11 @@
       </a:defRPr>
     </a:lvl9pPr>
   </p:defaultTextStyle>
+  <p:extLst>
+    <p:ext uri="{EFAFB233-063F-42B5-8137-9DF3F51BA10A}">
+      <p15:sldGuideLst xmlns:p15="http://schemas.microsoft.com/office/powerpoint/2012/main"/>
+    </p:ext>
+  </p:extLst>
 </p:presentation>
 </file>
 
@@ -243,7 +248,7 @@
           <a:p>
             <a:fld id="{1E221FF9-2690-4942-9367-F0EB2FFC11CB}" type="datetimeFigureOut">
               <a:rPr lang="fr-FR" smtClean="0"/>
-              <a:t>08/01/2018</a:t>
+              <a:t>10/03/2018</a:t>
             </a:fld>
             <a:endParaRPr lang="fr-FR"/>
           </a:p>
@@ -285,7 +290,7 @@
           <a:p>
             <a:fld id="{94DB11F2-EAEC-48D3-87D6-63154F633585}" type="slidenum">
               <a:rPr lang="fr-FR" smtClean="0"/>
-              <a:t>‹N°›</a:t>
+              <a:t>‹#›</a:t>
             </a:fld>
             <a:endParaRPr lang="fr-FR"/>
           </a:p>
@@ -413,7 +418,7 @@
           <a:p>
             <a:fld id="{1E221FF9-2690-4942-9367-F0EB2FFC11CB}" type="datetimeFigureOut">
               <a:rPr lang="fr-FR" smtClean="0"/>
-              <a:t>08/01/2018</a:t>
+              <a:t>10/03/2018</a:t>
             </a:fld>
             <a:endParaRPr lang="fr-FR"/>
           </a:p>
@@ -455,7 +460,7 @@
           <a:p>
             <a:fld id="{94DB11F2-EAEC-48D3-87D6-63154F633585}" type="slidenum">
               <a:rPr lang="fr-FR" smtClean="0"/>
-              <a:t>‹N°›</a:t>
+              <a:t>‹#›</a:t>
             </a:fld>
             <a:endParaRPr lang="fr-FR"/>
           </a:p>
@@ -593,7 +598,7 @@
           <a:p>
             <a:fld id="{1E221FF9-2690-4942-9367-F0EB2FFC11CB}" type="datetimeFigureOut">
               <a:rPr lang="fr-FR" smtClean="0"/>
-              <a:t>08/01/2018</a:t>
+              <a:t>10/03/2018</a:t>
             </a:fld>
             <a:endParaRPr lang="fr-FR"/>
           </a:p>
@@ -635,7 +640,7 @@
           <a:p>
             <a:fld id="{94DB11F2-EAEC-48D3-87D6-63154F633585}" type="slidenum">
               <a:rPr lang="fr-FR" smtClean="0"/>
-              <a:t>‹N°›</a:t>
+              <a:t>‹#›</a:t>
             </a:fld>
             <a:endParaRPr lang="fr-FR"/>
           </a:p>
@@ -763,7 +768,7 @@
           <a:p>
             <a:fld id="{1E221FF9-2690-4942-9367-F0EB2FFC11CB}" type="datetimeFigureOut">
               <a:rPr lang="fr-FR" smtClean="0"/>
-              <a:t>08/01/2018</a:t>
+              <a:t>10/03/2018</a:t>
             </a:fld>
             <a:endParaRPr lang="fr-FR"/>
           </a:p>
@@ -805,7 +810,7 @@
           <a:p>
             <a:fld id="{94DB11F2-EAEC-48D3-87D6-63154F633585}" type="slidenum">
               <a:rPr lang="fr-FR" smtClean="0"/>
-              <a:t>‹N°›</a:t>
+              <a:t>‹#›</a:t>
             </a:fld>
             <a:endParaRPr lang="fr-FR"/>
           </a:p>
@@ -1009,7 +1014,7 @@
           <a:p>
             <a:fld id="{1E221FF9-2690-4942-9367-F0EB2FFC11CB}" type="datetimeFigureOut">
               <a:rPr lang="fr-FR" smtClean="0"/>
-              <a:t>08/01/2018</a:t>
+              <a:t>10/03/2018</a:t>
             </a:fld>
             <a:endParaRPr lang="fr-FR"/>
           </a:p>
@@ -1051,7 +1056,7 @@
           <a:p>
             <a:fld id="{94DB11F2-EAEC-48D3-87D6-63154F633585}" type="slidenum">
               <a:rPr lang="fr-FR" smtClean="0"/>
-              <a:t>‹N°›</a:t>
+              <a:t>‹#›</a:t>
             </a:fld>
             <a:endParaRPr lang="fr-FR"/>
           </a:p>
@@ -1241,7 +1246,7 @@
           <a:p>
             <a:fld id="{1E221FF9-2690-4942-9367-F0EB2FFC11CB}" type="datetimeFigureOut">
               <a:rPr lang="fr-FR" smtClean="0"/>
-              <a:t>08/01/2018</a:t>
+              <a:t>10/03/2018</a:t>
             </a:fld>
             <a:endParaRPr lang="fr-FR"/>
           </a:p>
@@ -1283,7 +1288,7 @@
           <a:p>
             <a:fld id="{94DB11F2-EAEC-48D3-87D6-63154F633585}" type="slidenum">
               <a:rPr lang="fr-FR" smtClean="0"/>
-              <a:t>‹N°›</a:t>
+              <a:t>‹#›</a:t>
             </a:fld>
             <a:endParaRPr lang="fr-FR"/>
           </a:p>
@@ -1608,7 +1613,7 @@
           <a:p>
             <a:fld id="{1E221FF9-2690-4942-9367-F0EB2FFC11CB}" type="datetimeFigureOut">
               <a:rPr lang="fr-FR" smtClean="0"/>
-              <a:t>08/01/2018</a:t>
+              <a:t>10/03/2018</a:t>
             </a:fld>
             <a:endParaRPr lang="fr-FR"/>
           </a:p>
@@ -1650,7 +1655,7 @@
           <a:p>
             <a:fld id="{94DB11F2-EAEC-48D3-87D6-63154F633585}" type="slidenum">
               <a:rPr lang="fr-FR" smtClean="0"/>
-              <a:t>‹N°›</a:t>
+              <a:t>‹#›</a:t>
             </a:fld>
             <a:endParaRPr lang="fr-FR"/>
           </a:p>
@@ -1726,7 +1731,7 @@
           <a:p>
             <a:fld id="{1E221FF9-2690-4942-9367-F0EB2FFC11CB}" type="datetimeFigureOut">
               <a:rPr lang="fr-FR" smtClean="0"/>
-              <a:t>08/01/2018</a:t>
+              <a:t>10/03/2018</a:t>
             </a:fld>
             <a:endParaRPr lang="fr-FR"/>
           </a:p>
@@ -1768,7 +1773,7 @@
           <a:p>
             <a:fld id="{94DB11F2-EAEC-48D3-87D6-63154F633585}" type="slidenum">
               <a:rPr lang="fr-FR" smtClean="0"/>
-              <a:t>‹N°›</a:t>
+              <a:t>‹#›</a:t>
             </a:fld>
             <a:endParaRPr lang="fr-FR"/>
           </a:p>
@@ -1821,7 +1826,7 @@
           <a:p>
             <a:fld id="{1E221FF9-2690-4942-9367-F0EB2FFC11CB}" type="datetimeFigureOut">
               <a:rPr lang="fr-FR" smtClean="0"/>
-              <a:t>08/01/2018</a:t>
+              <a:t>10/03/2018</a:t>
             </a:fld>
             <a:endParaRPr lang="fr-FR"/>
           </a:p>
@@ -1863,7 +1868,7 @@
           <a:p>
             <a:fld id="{94DB11F2-EAEC-48D3-87D6-63154F633585}" type="slidenum">
               <a:rPr lang="fr-FR" smtClean="0"/>
-              <a:t>‹N°›</a:t>
+              <a:t>‹#›</a:t>
             </a:fld>
             <a:endParaRPr lang="fr-FR"/>
           </a:p>
@@ -2098,7 +2103,7 @@
           <a:p>
             <a:fld id="{1E221FF9-2690-4942-9367-F0EB2FFC11CB}" type="datetimeFigureOut">
               <a:rPr lang="fr-FR" smtClean="0"/>
-              <a:t>08/01/2018</a:t>
+              <a:t>10/03/2018</a:t>
             </a:fld>
             <a:endParaRPr lang="fr-FR"/>
           </a:p>
@@ -2140,7 +2145,7 @@
           <a:p>
             <a:fld id="{94DB11F2-EAEC-48D3-87D6-63154F633585}" type="slidenum">
               <a:rPr lang="fr-FR" smtClean="0"/>
-              <a:t>‹N°›</a:t>
+              <a:t>‹#›</a:t>
             </a:fld>
             <a:endParaRPr lang="fr-FR"/>
           </a:p>
@@ -2351,7 +2356,7 @@
           <a:p>
             <a:fld id="{1E221FF9-2690-4942-9367-F0EB2FFC11CB}" type="datetimeFigureOut">
               <a:rPr lang="fr-FR" smtClean="0"/>
-              <a:t>08/01/2018</a:t>
+              <a:t>10/03/2018</a:t>
             </a:fld>
             <a:endParaRPr lang="fr-FR"/>
           </a:p>
@@ -2393,7 +2398,7 @@
           <a:p>
             <a:fld id="{94DB11F2-EAEC-48D3-87D6-63154F633585}" type="slidenum">
               <a:rPr lang="fr-FR" smtClean="0"/>
-              <a:t>‹N°›</a:t>
+              <a:t>‹#›</a:t>
             </a:fld>
             <a:endParaRPr lang="fr-FR"/>
           </a:p>
@@ -2564,7 +2569,7 @@
           <a:p>
             <a:fld id="{1E221FF9-2690-4942-9367-F0EB2FFC11CB}" type="datetimeFigureOut">
               <a:rPr lang="fr-FR" smtClean="0"/>
-              <a:t>08/01/2018</a:t>
+              <a:t>10/03/2018</a:t>
             </a:fld>
             <a:endParaRPr lang="fr-FR"/>
           </a:p>
@@ -2642,7 +2647,7 @@
           <a:p>
             <a:fld id="{94DB11F2-EAEC-48D3-87D6-63154F633585}" type="slidenum">
               <a:rPr lang="fr-FR" smtClean="0"/>
-              <a:t>‹N°›</a:t>
+              <a:t>‹#›</a:t>
             </a:fld>
             <a:endParaRPr lang="fr-FR"/>
           </a:p>
@@ -3712,7 +3717,7 @@
         <p:spPr>
           <a:xfrm>
             <a:off x="4778186" y="2805087"/>
-            <a:ext cx="1007007" cy="307777"/>
+            <a:ext cx="444352" cy="523220"/>
           </a:xfrm>
           <a:prstGeom prst="rect">
             <a:avLst/>
@@ -3726,9 +3731,11 @@
           <a:lstStyle/>
           <a:p>
             <a:r>
-              <a:rPr lang="fr-FR" sz="1400" dirty="0" err="1" smtClean="0"/>
-              <a:t>OK;ID_user</a:t>
-            </a:r>
+              <a:rPr lang="fr-FR" sz="1400" dirty="0" smtClean="0"/>
+              <a:t>OK;</a:t>
+            </a:r>
+          </a:p>
+          <a:p>
             <a:endParaRPr lang="fr-FR" sz="1400" dirty="0"/>
           </a:p>
         </p:txBody>
@@ -3775,7 +3782,7 @@
         <p:spPr>
           <a:xfrm>
             <a:off x="4946981" y="3270041"/>
-            <a:ext cx="506870" cy="307777"/>
+            <a:ext cx="944489" cy="307777"/>
           </a:xfrm>
           <a:prstGeom prst="rect">
             <a:avLst/>
@@ -3790,7 +3797,7 @@
           <a:p>
             <a:r>
               <a:rPr lang="fr-FR" sz="1400" dirty="0" smtClean="0"/>
-              <a:t>113;</a:t>
+              <a:t>113;photo</a:t>
             </a:r>
             <a:endParaRPr lang="fr-FR" sz="1400" dirty="0"/>
           </a:p>
@@ -4026,7 +4033,7 @@
         <p:spPr>
           <a:xfrm>
             <a:off x="4946981" y="3904531"/>
-            <a:ext cx="506870" cy="307777"/>
+            <a:ext cx="944489" cy="307777"/>
           </a:xfrm>
           <a:prstGeom prst="rect">
             <a:avLst/>
@@ -4040,8 +4047,8 @@
           <a:lstStyle/>
           <a:p>
             <a:r>
-              <a:rPr lang="fr-FR" sz="1400" dirty="0" smtClean="0"/>
-              <a:t>113;</a:t>
+              <a:rPr lang="fr-FR" sz="1400" smtClean="0"/>
+              <a:t>113;photo</a:t>
             </a:r>
             <a:endParaRPr lang="fr-FR" sz="1400" dirty="0"/>
           </a:p>
@@ -4182,7 +4189,7 @@
         <p:spPr>
           <a:xfrm>
             <a:off x="4922865" y="4777862"/>
-            <a:ext cx="506870" cy="307777"/>
+            <a:ext cx="1711622" cy="307777"/>
           </a:xfrm>
           <a:prstGeom prst="rect">
             <a:avLst/>
@@ -4197,9 +4204,13 @@
           <a:p>
             <a:r>
               <a:rPr lang="fr-FR" sz="1400" dirty="0" smtClean="0"/>
-              <a:t>114;</a:t>
-            </a:r>
-            <a:endParaRPr lang="fr-FR" sz="1400" dirty="0"/>
+              <a:t>114; </a:t>
+            </a:r>
+            <a:r>
+              <a:rPr lang="fr-FR" sz="1400" dirty="0" err="1" smtClean="0"/>
+              <a:t>Dernière_Photo</a:t>
+            </a:r>
+            <a:endParaRPr lang="fr-FR" sz="1400" dirty="0" smtClean="0"/>
           </a:p>
         </p:txBody>
       </p:sp>
@@ -4331,14 +4342,14 @@
       </p:sp>
       <p:cxnSp>
         <p:nvCxnSpPr>
-          <p:cNvPr id="102" name="Connecteur droit avec flèche 101"/>
+          <p:cNvPr id="104" name="Connecteur droit avec flèche 103"/>
           <p:cNvCxnSpPr/>
           <p:nvPr/>
         </p:nvCxnSpPr>
         <p:spPr>
           <a:xfrm flipH="1">
-            <a:off x="3919995" y="6307307"/>
-            <a:ext cx="2949389" cy="257205"/>
+            <a:off x="3912506" y="6393467"/>
+            <a:ext cx="2991970" cy="292232"/>
           </a:xfrm>
           <a:prstGeom prst="straightConnector1">
             <a:avLst/>
@@ -4364,14 +4375,14 @@
       </p:cxnSp>
       <p:sp>
         <p:nvSpPr>
-          <p:cNvPr id="103" name="ZoneTexte 102"/>
+          <p:cNvPr id="105" name="ZoneTexte 104"/>
           <p:cNvSpPr txBox="1"/>
           <p:nvPr/>
         </p:nvSpPr>
         <p:spPr>
           <a:xfrm>
-            <a:off x="4778186" y="6153418"/>
-            <a:ext cx="506870" cy="307777"/>
+            <a:off x="4706522" y="6256299"/>
+            <a:ext cx="1107996" cy="307777"/>
           </a:xfrm>
           <a:prstGeom prst="rect">
             <a:avLst/>
@@ -4386,22 +4397,52 @@
           <a:p>
             <a:r>
               <a:rPr lang="fr-FR" sz="1400" dirty="0" smtClean="0"/>
-              <a:t>214;</a:t>
+              <a:t>Fichier poids</a:t>
             </a:r>
             <a:endParaRPr lang="fr-FR" sz="1400" dirty="0"/>
+          </a:p>
+        </p:txBody>
+      </p:sp>
+      <p:sp>
+        <p:nvSpPr>
+          <p:cNvPr id="109" name="ZoneTexte 108"/>
+          <p:cNvSpPr txBox="1"/>
+          <p:nvPr/>
+        </p:nvSpPr>
+        <p:spPr>
+          <a:xfrm>
+            <a:off x="91463" y="125795"/>
+            <a:ext cx="3108950" cy="523220"/>
+          </a:xfrm>
+          <a:prstGeom prst="rect">
+            <a:avLst/>
+          </a:prstGeom>
+          <a:noFill/>
+        </p:spPr>
+        <p:txBody>
+          <a:bodyPr wrap="square" rtlCol="0">
+            <a:spAutoFit/>
+          </a:bodyPr>
+          <a:lstStyle/>
+          <a:p>
+            <a:r>
+              <a:rPr lang="fr-FR" sz="2800" u="sng" dirty="0" smtClean="0"/>
+              <a:t>Création de compte</a:t>
+            </a:r>
+            <a:endParaRPr lang="fr-FR" sz="2800" u="sng" dirty="0"/>
           </a:p>
         </p:txBody>
       </p:sp>
       <p:cxnSp>
         <p:nvCxnSpPr>
-          <p:cNvPr id="104" name="Connecteur droit avec flèche 103"/>
+          <p:cNvPr id="55" name="Connecteur droit avec flèche 54"/>
           <p:cNvCxnSpPr/>
           <p:nvPr/>
         </p:nvCxnSpPr>
         <p:spPr>
-          <a:xfrm flipH="1">
-            <a:off x="3912506" y="6539239"/>
-            <a:ext cx="2991970" cy="292232"/>
+          <a:xfrm>
+            <a:off x="3942760" y="5249777"/>
+            <a:ext cx="2949388" cy="384610"/>
           </a:xfrm>
           <a:prstGeom prst="straightConnector1">
             <a:avLst/>
@@ -4427,14 +4468,14 @@
       </p:cxnSp>
       <p:sp>
         <p:nvSpPr>
-          <p:cNvPr id="105" name="ZoneTexte 104"/>
+          <p:cNvPr id="56" name="ZoneTexte 55"/>
           <p:cNvSpPr txBox="1"/>
           <p:nvPr/>
         </p:nvSpPr>
         <p:spPr>
           <a:xfrm>
-            <a:off x="4931806" y="6415323"/>
-            <a:ext cx="1107996" cy="307777"/>
+            <a:off x="4936310" y="5122464"/>
+            <a:ext cx="622158" cy="307777"/>
           </a:xfrm>
           <a:prstGeom prst="rect">
             <a:avLst/>
@@ -4449,39 +4490,9 @@
           <a:p>
             <a:r>
               <a:rPr lang="fr-FR" sz="1400" dirty="0" smtClean="0"/>
-              <a:t>Fichier poids</a:t>
+              <a:t>photo</a:t>
             </a:r>
             <a:endParaRPr lang="fr-FR" sz="1400" dirty="0"/>
-          </a:p>
-        </p:txBody>
-      </p:sp>
-      <p:sp>
-        <p:nvSpPr>
-          <p:cNvPr id="109" name="ZoneTexte 108"/>
-          <p:cNvSpPr txBox="1"/>
-          <p:nvPr/>
-        </p:nvSpPr>
-        <p:spPr>
-          <a:xfrm>
-            <a:off x="91463" y="125795"/>
-            <a:ext cx="3108950" cy="523220"/>
-          </a:xfrm>
-          <a:prstGeom prst="rect">
-            <a:avLst/>
-          </a:prstGeom>
-          <a:noFill/>
-        </p:spPr>
-        <p:txBody>
-          <a:bodyPr wrap="square" rtlCol="0">
-            <a:spAutoFit/>
-          </a:bodyPr>
-          <a:lstStyle/>
-          <a:p>
-            <a:r>
-              <a:rPr lang="fr-FR" sz="2800" u="sng" dirty="0" smtClean="0"/>
-              <a:t>Création de compte</a:t>
-            </a:r>
-            <a:endParaRPr lang="fr-FR" sz="2800" u="sng" dirty="0"/>
           </a:p>
         </p:txBody>
       </p:sp>
@@ -4495,6 +4506,13 @@
   <p:clrMapOvr>
     <a:masterClrMapping/>
   </p:clrMapOvr>
+  <p:timing>
+    <p:tnLst>
+      <p:par>
+        <p:cTn id="1" dur="indefinite" restart="never" nodeType="tmRoot"/>
+      </p:par>
+    </p:tnLst>
+  </p:timing>
 </p:sld>
 </file>
 
@@ -4833,7 +4851,7 @@
           <a:p>
             <a:r>
               <a:rPr lang="fr-FR" sz="1400" dirty="0" smtClean="0"/>
-              <a:t>110;mail,mdp</a:t>
+              <a:t>103;mail,mdp</a:t>
             </a:r>
             <a:endParaRPr lang="fr-FR" sz="1400" dirty="0"/>
           </a:p>
@@ -5067,6 +5085,13 @@
   <p:clrMapOvr>
     <a:masterClrMapping/>
   </p:clrMapOvr>
+  <p:timing>
+    <p:tnLst>
+      <p:par>
+        <p:cTn id="1" dur="indefinite" restart="never" nodeType="tmRoot"/>
+      </p:par>
+    </p:tnLst>
+  </p:timing>
 </p:sld>
 </file>
 
@@ -5640,6 +5665,13 @@
   <p:clrMapOvr>
     <a:masterClrMapping/>
   </p:clrMapOvr>
+  <p:timing>
+    <p:tnLst>
+      <p:par>
+        <p:cTn id="1" dur="indefinite" restart="never" nodeType="tmRoot"/>
+      </p:par>
+    </p:tnLst>
+  </p:timing>
 </p:sld>
 </file>
 
@@ -5897,6 +5929,13 @@
   <p:clrMapOvr>
     <a:masterClrMapping/>
   </p:clrMapOvr>
+  <p:timing>
+    <p:tnLst>
+      <p:par>
+        <p:cTn id="1" dur="indefinite" restart="never" nodeType="tmRoot"/>
+      </p:par>
+    </p:tnLst>
+  </p:timing>
 </p:sld>
 </file>
 
@@ -6334,69 +6373,6 @@
           </a:p>
         </p:txBody>
       </p:sp>
-      <p:cxnSp>
-        <p:nvCxnSpPr>
-          <p:cNvPr id="18" name="Connecteur droit avec flèche 17"/>
-          <p:cNvCxnSpPr/>
-          <p:nvPr/>
-        </p:nvCxnSpPr>
-        <p:spPr>
-          <a:xfrm flipH="1">
-            <a:off x="3922059" y="1891482"/>
-            <a:ext cx="2949388" cy="449107"/>
-          </a:xfrm>
-          <a:prstGeom prst="straightConnector1">
-            <a:avLst/>
-          </a:prstGeom>
-          <a:ln>
-            <a:tailEnd type="triangle"/>
-          </a:ln>
-        </p:spPr>
-        <p:style>
-          <a:lnRef idx="1">
-            <a:schemeClr val="dk1"/>
-          </a:lnRef>
-          <a:fillRef idx="0">
-            <a:schemeClr val="dk1"/>
-          </a:fillRef>
-          <a:effectRef idx="0">
-            <a:schemeClr val="dk1"/>
-          </a:effectRef>
-          <a:fontRef idx="minor">
-            <a:schemeClr val="tx1"/>
-          </a:fontRef>
-        </p:style>
-      </p:cxnSp>
-      <p:sp>
-        <p:nvSpPr>
-          <p:cNvPr id="19" name="ZoneTexte 18"/>
-          <p:cNvSpPr txBox="1"/>
-          <p:nvPr/>
-        </p:nvSpPr>
-        <p:spPr>
-          <a:xfrm>
-            <a:off x="4788552" y="1850979"/>
-            <a:ext cx="1037463" cy="307777"/>
-          </a:xfrm>
-          <a:prstGeom prst="rect">
-            <a:avLst/>
-          </a:prstGeom>
-          <a:noFill/>
-        </p:spPr>
-        <p:txBody>
-          <a:bodyPr wrap="none" rtlCol="0">
-            <a:spAutoFit/>
-          </a:bodyPr>
-          <a:lstStyle/>
-          <a:p>
-            <a:r>
-              <a:rPr lang="fr-FR" sz="1400" dirty="0" smtClean="0"/>
-              <a:t>236;version</a:t>
-            </a:r>
-            <a:endParaRPr lang="fr-FR" sz="1400" dirty="0"/>
-          </a:p>
-        </p:txBody>
-      </p:sp>
       <p:sp>
         <p:nvSpPr>
           <p:cNvPr id="20" name="ZoneTexte 19"/>
@@ -6468,7 +6444,7 @@
         </p:nvCxnSpPr>
         <p:spPr>
           <a:xfrm flipH="1">
-            <a:off x="3939989" y="2359442"/>
+            <a:off x="3939989" y="2107650"/>
             <a:ext cx="2949388" cy="449107"/>
           </a:xfrm>
           <a:prstGeom prst="straightConnector1">
@@ -6501,7 +6477,7 @@
         </p:nvSpPr>
         <p:spPr>
           <a:xfrm>
-            <a:off x="4788552" y="2300302"/>
+            <a:off x="4788552" y="1968998"/>
             <a:ext cx="1107996" cy="307777"/>
           </a:xfrm>
           <a:prstGeom prst="rect">
@@ -6533,6 +6509,13 @@
   <p:clrMapOvr>
     <a:masterClrMapping/>
   </p:clrMapOvr>
+  <p:timing>
+    <p:tnLst>
+      <p:par>
+        <p:cTn id="1" dur="indefinite" restart="never" nodeType="tmRoot"/>
+      </p:par>
+    </p:tnLst>
+  </p:timing>
 </p:sld>
 </file>
 
@@ -6878,6 +6861,72 @@
           </a:fontRef>
         </p:style>
       </p:cxnSp>
+      <p:cxnSp>
+        <p:nvCxnSpPr>
+          <p:cNvPr id="9" name="Connecteur droit avec flèche 8"/>
+          <p:cNvCxnSpPr/>
+          <p:nvPr/>
+        </p:nvCxnSpPr>
+        <p:spPr>
+          <a:xfrm flipV="1">
+            <a:off x="4147930" y="1724817"/>
+            <a:ext cx="750353" cy="2272"/>
+          </a:xfrm>
+          <a:prstGeom prst="straightConnector1">
+            <a:avLst/>
+          </a:prstGeom>
+          <a:ln>
+            <a:tailEnd type="triangle"/>
+          </a:ln>
+        </p:spPr>
+        <p:style>
+          <a:lnRef idx="1">
+            <a:schemeClr val="accent1"/>
+          </a:lnRef>
+          <a:fillRef idx="0">
+            <a:schemeClr val="accent1"/>
+          </a:fillRef>
+          <a:effectRef idx="0">
+            <a:schemeClr val="accent1"/>
+          </a:effectRef>
+          <a:fontRef idx="minor">
+            <a:schemeClr val="tx1"/>
+          </a:fontRef>
+        </p:style>
+      </p:cxnSp>
+      <p:cxnSp>
+        <p:nvCxnSpPr>
+          <p:cNvPr id="17" name="Connecteur droit avec flèche 16"/>
+          <p:cNvCxnSpPr/>
+          <p:nvPr/>
+        </p:nvCxnSpPr>
+        <p:spPr>
+          <a:xfrm flipV="1">
+            <a:off x="4147929" y="1019147"/>
+            <a:ext cx="750353" cy="2272"/>
+          </a:xfrm>
+          <a:prstGeom prst="straightConnector1">
+            <a:avLst/>
+          </a:prstGeom>
+          <a:ln>
+            <a:tailEnd type="triangle"/>
+          </a:ln>
+        </p:spPr>
+        <p:style>
+          <a:lnRef idx="1">
+            <a:schemeClr val="accent1"/>
+          </a:lnRef>
+          <a:fillRef idx="0">
+            <a:schemeClr val="accent1"/>
+          </a:fillRef>
+          <a:effectRef idx="0">
+            <a:schemeClr val="accent1"/>
+          </a:effectRef>
+          <a:fontRef idx="minor">
+            <a:schemeClr val="tx1"/>
+          </a:fontRef>
+        </p:style>
+      </p:cxnSp>
     </p:spTree>
     <p:extLst>
       <p:ext uri="{BB962C8B-B14F-4D97-AF65-F5344CB8AC3E}">
@@ -6888,6 +6937,13 @@
   <p:clrMapOvr>
     <a:masterClrMapping/>
   </p:clrMapOvr>
+  <p:timing>
+    <p:tnLst>
+      <p:par>
+        <p:cTn id="1" dur="indefinite" restart="never" nodeType="tmRoot"/>
+      </p:par>
+    </p:tnLst>
+  </p:timing>
 </p:sld>
 </file>
 
